--- a/Project4.pptx
+++ b/Project4.pptx
@@ -11,14 +11,16 @@
     <p:sldId id="268" r:id="rId5"/>
     <p:sldId id="265" r:id="rId6"/>
     <p:sldId id="258" r:id="rId7"/>
-    <p:sldId id="269" r:id="rId8"/>
-    <p:sldId id="271" r:id="rId9"/>
-    <p:sldId id="272" r:id="rId10"/>
-    <p:sldId id="273" r:id="rId11"/>
-    <p:sldId id="274" r:id="rId12"/>
-    <p:sldId id="261" r:id="rId13"/>
-    <p:sldId id="267" r:id="rId14"/>
-    <p:sldId id="262" r:id="rId15"/>
+    <p:sldId id="276" r:id="rId8"/>
+    <p:sldId id="272" r:id="rId9"/>
+    <p:sldId id="278" r:id="rId10"/>
+    <p:sldId id="269" r:id="rId11"/>
+    <p:sldId id="275" r:id="rId12"/>
+    <p:sldId id="271" r:id="rId13"/>
+    <p:sldId id="274" r:id="rId14"/>
+    <p:sldId id="261" r:id="rId15"/>
+    <p:sldId id="267" r:id="rId16"/>
+    <p:sldId id="262" r:id="rId17"/>
   </p:sldIdLst>
   <p:sldSz cx="12192000" cy="6858000"/>
   <p:notesSz cx="6858000" cy="9144000"/>
@@ -3593,9 +3595,9 @@
   <dgm:cxnLst>
     <dgm:cxn modelId="{DA7A1635-823F-4C6D-951D-2D910D75BB0F}" srcId="{2585893C-0A7A-47EF-96F6-0420188D4575}" destId="{DFE22662-5950-4057-9C4F-376E5743ED2D}" srcOrd="1" destOrd="0" parTransId="{1D3164B0-79F1-4895-B351-CBDFBCBBB150}" sibTransId="{A53343DF-BC13-4AAC-B17B-81E1435DE689}"/>
     <dgm:cxn modelId="{6B962C40-363E-2C48-B344-2630019F2063}" type="presOf" srcId="{ECB56051-3161-48DE-A746-69259CA02105}" destId="{701E82A0-874C-984D-84C8-48DED3A894A1}" srcOrd="0" destOrd="0" presId="urn:microsoft.com/office/officeart/2016/7/layout/BasicLinearProcessNumbered"/>
+    <dgm:cxn modelId="{00948262-B88B-4E02-B76D-796DE66920B8}" srcId="{2585893C-0A7A-47EF-96F6-0420188D4575}" destId="{2093A7DC-33B3-496E-9C19-37820A24790C}" srcOrd="0" destOrd="0" parTransId="{64732230-DAE1-468D-912E-268520B10B7F}" sibTransId="{ECB56051-3161-48DE-A746-69259CA02105}"/>
     <dgm:cxn modelId="{DABD0247-D6D9-2D47-B309-FA3E3BB756CF}" type="presOf" srcId="{A53343DF-BC13-4AAC-B17B-81E1435DE689}" destId="{52DAD531-0EA1-9347-96E4-E6E557DA7320}" srcOrd="0" destOrd="0" presId="urn:microsoft.com/office/officeart/2016/7/layout/BasicLinearProcessNumbered"/>
     <dgm:cxn modelId="{4A22DC4A-B35D-8848-8949-A644319693F6}" type="presOf" srcId="{DFE22662-5950-4057-9C4F-376E5743ED2D}" destId="{4AE76FD8-0A97-174D-AB12-3A0676BCD952}" srcOrd="0" destOrd="0" presId="urn:microsoft.com/office/officeart/2016/7/layout/BasicLinearProcessNumbered"/>
-    <dgm:cxn modelId="{00948262-B88B-4E02-B76D-796DE66920B8}" srcId="{2585893C-0A7A-47EF-96F6-0420188D4575}" destId="{2093A7DC-33B3-496E-9C19-37820A24790C}" srcOrd="0" destOrd="0" parTransId="{64732230-DAE1-468D-912E-268520B10B7F}" sibTransId="{ECB56051-3161-48DE-A746-69259CA02105}"/>
     <dgm:cxn modelId="{7BB87B6D-A144-4D70-9174-B593BC0FC3EF}" srcId="{2585893C-0A7A-47EF-96F6-0420188D4575}" destId="{5A35069D-EF6F-42CD-B1E9-FAF719F89506}" srcOrd="2" destOrd="0" parTransId="{58ACFCF0-A9C2-416F-9683-FB0F6D88641C}" sibTransId="{A7DF2318-0F33-4903-888D-9460E95AC93A}"/>
     <dgm:cxn modelId="{98C9A56E-36F6-9A46-B887-87D89DB52CAE}" type="presOf" srcId="{2093A7DC-33B3-496E-9C19-37820A24790C}" destId="{4504BDF3-3DFE-FF4E-8C2C-A13067C93019}" srcOrd="0" destOrd="0" presId="urn:microsoft.com/office/officeart/2016/7/layout/BasicLinearProcessNumbered"/>
     <dgm:cxn modelId="{1F3E1591-9A6E-154E-BC6D-DC1A45D73BAF}" type="presOf" srcId="{5A35069D-EF6F-42CD-B1E9-FAF719F89506}" destId="{8A1FB0B6-CE63-5E48-B315-62F2055E3A52}" srcOrd="0" destOrd="0" presId="urn:microsoft.com/office/officeart/2016/7/layout/BasicLinearProcessNumbered"/>
@@ -11708,7 +11710,7 @@
           <a:p>
             <a:fld id="{969AD722-7DA8-0641-ABAA-483E0C78AF97}" type="datetimeFigureOut">
               <a:rPr lang="en-US" smtClean="0"/>
-              <a:t>4/18/24</a:t>
+              <a:t>4/18/2024</a:t>
             </a:fld>
             <a:endParaRPr lang="en-US"/>
           </a:p>
@@ -11906,7 +11908,7 @@
           <a:p>
             <a:fld id="{969AD722-7DA8-0641-ABAA-483E0C78AF97}" type="datetimeFigureOut">
               <a:rPr lang="en-US" smtClean="0"/>
-              <a:t>4/18/24</a:t>
+              <a:t>4/18/2024</a:t>
             </a:fld>
             <a:endParaRPr lang="en-US"/>
           </a:p>
@@ -12114,7 +12116,7 @@
           <a:p>
             <a:fld id="{969AD722-7DA8-0641-ABAA-483E0C78AF97}" type="datetimeFigureOut">
               <a:rPr lang="en-US" smtClean="0"/>
-              <a:t>4/18/24</a:t>
+              <a:t>4/18/2024</a:t>
             </a:fld>
             <a:endParaRPr lang="en-US"/>
           </a:p>
@@ -12312,7 +12314,7 @@
           <a:p>
             <a:fld id="{969AD722-7DA8-0641-ABAA-483E0C78AF97}" type="datetimeFigureOut">
               <a:rPr lang="en-US" smtClean="0"/>
-              <a:t>4/18/24</a:t>
+              <a:t>4/18/2024</a:t>
             </a:fld>
             <a:endParaRPr lang="en-US"/>
           </a:p>
@@ -12587,7 +12589,7 @@
           <a:p>
             <a:fld id="{969AD722-7DA8-0641-ABAA-483E0C78AF97}" type="datetimeFigureOut">
               <a:rPr lang="en-US" smtClean="0"/>
-              <a:t>4/18/24</a:t>
+              <a:t>4/18/2024</a:t>
             </a:fld>
             <a:endParaRPr lang="en-US"/>
           </a:p>
@@ -12852,7 +12854,7 @@
           <a:p>
             <a:fld id="{969AD722-7DA8-0641-ABAA-483E0C78AF97}" type="datetimeFigureOut">
               <a:rPr lang="en-US" smtClean="0"/>
-              <a:t>4/18/24</a:t>
+              <a:t>4/18/2024</a:t>
             </a:fld>
             <a:endParaRPr lang="en-US"/>
           </a:p>
@@ -13264,7 +13266,7 @@
           <a:p>
             <a:fld id="{969AD722-7DA8-0641-ABAA-483E0C78AF97}" type="datetimeFigureOut">
               <a:rPr lang="en-US" smtClean="0"/>
-              <a:t>4/18/24</a:t>
+              <a:t>4/18/2024</a:t>
             </a:fld>
             <a:endParaRPr lang="en-US"/>
           </a:p>
@@ -13405,7 +13407,7 @@
           <a:p>
             <a:fld id="{969AD722-7DA8-0641-ABAA-483E0C78AF97}" type="datetimeFigureOut">
               <a:rPr lang="en-US" smtClean="0"/>
-              <a:t>4/18/24</a:t>
+              <a:t>4/18/2024</a:t>
             </a:fld>
             <a:endParaRPr lang="en-US"/>
           </a:p>
@@ -13518,7 +13520,7 @@
           <a:p>
             <a:fld id="{969AD722-7DA8-0641-ABAA-483E0C78AF97}" type="datetimeFigureOut">
               <a:rPr lang="en-US" smtClean="0"/>
-              <a:t>4/18/24</a:t>
+              <a:t>4/18/2024</a:t>
             </a:fld>
             <a:endParaRPr lang="en-US"/>
           </a:p>
@@ -13829,7 +13831,7 @@
           <a:p>
             <a:fld id="{969AD722-7DA8-0641-ABAA-483E0C78AF97}" type="datetimeFigureOut">
               <a:rPr lang="en-US" smtClean="0"/>
-              <a:t>4/18/24</a:t>
+              <a:t>4/18/2024</a:t>
             </a:fld>
             <a:endParaRPr lang="en-US"/>
           </a:p>
@@ -14117,7 +14119,7 @@
           <a:p>
             <a:fld id="{969AD722-7DA8-0641-ABAA-483E0C78AF97}" type="datetimeFigureOut">
               <a:rPr lang="en-US" smtClean="0"/>
-              <a:t>4/18/24</a:t>
+              <a:t>4/18/2024</a:t>
             </a:fld>
             <a:endParaRPr lang="en-US"/>
           </a:p>
@@ -14358,7 +14360,7 @@
           <a:p>
             <a:fld id="{969AD722-7DA8-0641-ABAA-483E0C78AF97}" type="datetimeFigureOut">
               <a:rPr lang="en-US" smtClean="0"/>
-              <a:t>4/18/24</a:t>
+              <a:t>4/18/2024</a:t>
             </a:fld>
             <a:endParaRPr lang="en-US"/>
           </a:p>
@@ -15305,7 +15307,7 @@
           <p:cNvPr id="2" name="Title 1">
             <a:extLst>
               <a:ext uri="{FF2B5EF4-FFF2-40B4-BE49-F238E27FC236}">
-                <a16:creationId xmlns:a16="http://schemas.microsoft.com/office/drawing/2014/main" id="{9C81DE7E-125E-DCC5-0CBB-3C1338074D0C}"/>
+                <a16:creationId xmlns:a16="http://schemas.microsoft.com/office/drawing/2014/main" id="{9A7B9012-9BCE-E97F-7C2B-1D89EAD53AB5}"/>
               </a:ext>
             </a:extLst>
           </p:cNvPr>
@@ -15316,21 +15318,45 @@
             <p:ph type="title"/>
           </p:nvPr>
         </p:nvSpPr>
-        <p:spPr/>
+        <p:spPr>
+          <a:xfrm>
+            <a:off x="746760" y="1369807"/>
+            <a:ext cx="10515600" cy="1625647"/>
+          </a:xfrm>
+        </p:spPr>
         <p:txBody>
-          <a:bodyPr/>
+          <a:bodyPr>
+            <a:noAutofit/>
+          </a:bodyPr>
           <a:lstStyle/>
           <a:p>
-            <a:endParaRPr lang="en-US"/>
+            <a:r>
+              <a:rPr lang="en-US" sz="1800" dirty="0"/>
+              <a:t>Even though a spectrogram is a great way to visually see an audio wave, you need to still need to use the Mel Frequency Cepstral Coefficient in order to extract the features from your audio files.</a:t>
+            </a:r>
+            <a:br>
+              <a:rPr lang="en-US" sz="1800" dirty="0"/>
+            </a:br>
+            <a:r>
+              <a:rPr lang="en-US" sz="1800" dirty="0"/>
+              <a:t>MFCCs is the best way to capture audio features and similar to how the human auditory system processes sound and frequencies.</a:t>
+            </a:r>
+            <a:br>
+              <a:rPr lang="en-US" sz="1800" dirty="0"/>
+            </a:br>
+            <a:r>
+              <a:rPr lang="en-US" sz="1800" dirty="0"/>
+              <a:t>The Mel scale will basically transform linear frequencies to a log scale.</a:t>
+            </a:r>
           </a:p>
         </p:txBody>
       </p:sp>
       <p:pic>
         <p:nvPicPr>
-          <p:cNvPr id="5" name="Content Placeholder 4" descr="A blue sound wave graph&#10;&#10;Description automatically generated">
+          <p:cNvPr id="5" name="Content Placeholder 4" descr="A close-up of a colorful image&#10;&#10;Description automatically generated">
             <a:extLst>
               <a:ext uri="{FF2B5EF4-FFF2-40B4-BE49-F238E27FC236}">
-                <a16:creationId xmlns:a16="http://schemas.microsoft.com/office/drawing/2014/main" id="{15A61F81-F5D0-015F-26AF-A2E0AA61629A}"/>
+                <a16:creationId xmlns:a16="http://schemas.microsoft.com/office/drawing/2014/main" id="{2B4D03F8-1641-5112-2181-A0F50438BCD9}"/>
               </a:ext>
             </a:extLst>
           </p:cNvPr>
@@ -15349,15 +15375,50 @@
         </p:blipFill>
         <p:spPr>
           <a:xfrm>
-            <a:off x="3195108" y="1825625"/>
-            <a:ext cx="5801784" cy="4351338"/>
+            <a:off x="1524000" y="2995454"/>
+            <a:ext cx="9144000" cy="3657600"/>
           </a:xfrm>
         </p:spPr>
       </p:pic>
+      <p:sp>
+        <p:nvSpPr>
+          <p:cNvPr id="3" name="TextBox 2">
+            <a:extLst>
+              <a:ext uri="{FF2B5EF4-FFF2-40B4-BE49-F238E27FC236}">
+                <a16:creationId xmlns:a16="http://schemas.microsoft.com/office/drawing/2014/main" id="{4A01CB2C-55CD-D8C3-5438-2010D229E84C}"/>
+              </a:ext>
+            </a:extLst>
+          </p:cNvPr>
+          <p:cNvSpPr txBox="1"/>
+          <p:nvPr/>
+        </p:nvSpPr>
+        <p:spPr>
+          <a:xfrm>
+            <a:off x="905256" y="722376"/>
+            <a:ext cx="6483096" cy="523220"/>
+          </a:xfrm>
+          <a:prstGeom prst="rect">
+            <a:avLst/>
+          </a:prstGeom>
+          <a:noFill/>
+        </p:spPr>
+        <p:txBody>
+          <a:bodyPr wrap="square" rtlCol="0">
+            <a:spAutoFit/>
+          </a:bodyPr>
+          <a:lstStyle/>
+          <a:p>
+            <a:r>
+              <a:rPr lang="en-US" sz="2800" dirty="0"/>
+              <a:t>Mel Frequency Cepstral Coefficient</a:t>
+            </a:r>
+          </a:p>
+        </p:txBody>
+      </p:sp>
     </p:spTree>
     <p:extLst>
       <p:ext uri="{BB962C8B-B14F-4D97-AF65-F5344CB8AC3E}">
-        <p14:creationId xmlns:p14="http://schemas.microsoft.com/office/powerpoint/2010/main" val="2673666742"/>
+        <p14:creationId xmlns:p14="http://schemas.microsoft.com/office/powerpoint/2010/main" val="2532368215"/>
       </p:ext>
     </p:extLst>
   </p:cSld>
@@ -15368,6 +15429,363 @@
 </file>
 
 <file path=ppt/slides/slide11.xml><?xml version="1.0" encoding="utf-8"?>
+<p:sld xmlns:a="http://schemas.openxmlformats.org/drawingml/2006/main" xmlns:r="http://schemas.openxmlformats.org/officeDocument/2006/relationships" xmlns:p="http://schemas.openxmlformats.org/presentationml/2006/main">
+  <p:cSld>
+    <p:spTree>
+      <p:nvGrpSpPr>
+        <p:cNvPr id="1" name=""/>
+        <p:cNvGrpSpPr/>
+        <p:nvPr/>
+      </p:nvGrpSpPr>
+      <p:grpSpPr>
+        <a:xfrm>
+          <a:off x="0" y="0"/>
+          <a:ext cx="0" cy="0"/>
+          <a:chOff x="0" y="0"/>
+          <a:chExt cx="0" cy="0"/>
+        </a:xfrm>
+      </p:grpSpPr>
+      <p:sp>
+        <p:nvSpPr>
+          <p:cNvPr id="2" name="Title 1">
+            <a:extLst>
+              <a:ext uri="{FF2B5EF4-FFF2-40B4-BE49-F238E27FC236}">
+                <a16:creationId xmlns:a16="http://schemas.microsoft.com/office/drawing/2014/main" id="{779E7E55-92B6-BFAA-26EC-49AB00DE040B}"/>
+              </a:ext>
+            </a:extLst>
+          </p:cNvPr>
+          <p:cNvSpPr>
+            <a:spLocks noGrp="1"/>
+          </p:cNvSpPr>
+          <p:nvPr>
+            <p:ph type="title"/>
+          </p:nvPr>
+        </p:nvSpPr>
+        <p:spPr>
+          <a:xfrm>
+            <a:off x="537882" y="365126"/>
+            <a:ext cx="10815918" cy="857458"/>
+          </a:xfrm>
+        </p:spPr>
+        <p:txBody>
+          <a:bodyPr/>
+          <a:lstStyle/>
+          <a:p>
+            <a:pPr algn="ctr"/>
+            <a:r>
+              <a:rPr lang="en-US" dirty="0"/>
+              <a:t>Building the CNN model</a:t>
+            </a:r>
+          </a:p>
+        </p:txBody>
+      </p:sp>
+      <p:pic>
+        <p:nvPicPr>
+          <p:cNvPr id="7" name="Content Placeholder 6">
+            <a:extLst>
+              <a:ext uri="{FF2B5EF4-FFF2-40B4-BE49-F238E27FC236}">
+                <a16:creationId xmlns:a16="http://schemas.microsoft.com/office/drawing/2014/main" id="{CAF24F44-A9E4-FE99-9473-CB95FBADFDC2}"/>
+              </a:ext>
+            </a:extLst>
+          </p:cNvPr>
+          <p:cNvPicPr>
+            <a:picLocks noGrp="1" noChangeAspect="1"/>
+          </p:cNvPicPr>
+          <p:nvPr>
+            <p:ph idx="1"/>
+          </p:nvPr>
+        </p:nvPicPr>
+        <p:blipFill>
+          <a:blip r:embed="rId2"/>
+          <a:stretch>
+            <a:fillRect/>
+          </a:stretch>
+        </p:blipFill>
+        <p:spPr>
+          <a:xfrm>
+            <a:off x="6927195" y="1222583"/>
+            <a:ext cx="4505325" cy="5061676"/>
+          </a:xfrm>
+        </p:spPr>
+      </p:pic>
+      <p:pic>
+        <p:nvPicPr>
+          <p:cNvPr id="10" name="Picture 9">
+            <a:extLst>
+              <a:ext uri="{FF2B5EF4-FFF2-40B4-BE49-F238E27FC236}">
+                <a16:creationId xmlns:a16="http://schemas.microsoft.com/office/drawing/2014/main" id="{06035376-0B1B-95CD-2CF3-759CB7A04663}"/>
+              </a:ext>
+            </a:extLst>
+          </p:cNvPr>
+          <p:cNvPicPr>
+            <a:picLocks noChangeAspect="1"/>
+          </p:cNvPicPr>
+          <p:nvPr/>
+        </p:nvPicPr>
+        <p:blipFill>
+          <a:blip r:embed="rId3"/>
+          <a:stretch>
+            <a:fillRect/>
+          </a:stretch>
+        </p:blipFill>
+        <p:spPr>
+          <a:xfrm>
+            <a:off x="537882" y="1222583"/>
+            <a:ext cx="6158753" cy="5061676"/>
+          </a:xfrm>
+          <a:prstGeom prst="rect">
+            <a:avLst/>
+          </a:prstGeom>
+        </p:spPr>
+      </p:pic>
+    </p:spTree>
+    <p:extLst>
+      <p:ext uri="{BB962C8B-B14F-4D97-AF65-F5344CB8AC3E}">
+        <p14:creationId xmlns:p14="http://schemas.microsoft.com/office/powerpoint/2010/main" val="522979423"/>
+      </p:ext>
+    </p:extLst>
+  </p:cSld>
+  <p:clrMapOvr>
+    <a:masterClrMapping/>
+  </p:clrMapOvr>
+</p:sld>
+</file>
+
+<file path=ppt/slides/slide12.xml><?xml version="1.0" encoding="utf-8"?>
+<p:sld xmlns:a="http://schemas.openxmlformats.org/drawingml/2006/main" xmlns:r="http://schemas.openxmlformats.org/officeDocument/2006/relationships" xmlns:p="http://schemas.openxmlformats.org/presentationml/2006/main">
+  <p:cSld>
+    <p:spTree>
+      <p:nvGrpSpPr>
+        <p:cNvPr id="1" name=""/>
+        <p:cNvGrpSpPr/>
+        <p:nvPr/>
+      </p:nvGrpSpPr>
+      <p:grpSpPr>
+        <a:xfrm>
+          <a:off x="0" y="0"/>
+          <a:ext cx="0" cy="0"/>
+          <a:chOff x="0" y="0"/>
+          <a:chExt cx="0" cy="0"/>
+        </a:xfrm>
+      </p:grpSpPr>
+      <p:sp>
+        <p:nvSpPr>
+          <p:cNvPr id="2" name="Title 1">
+            <a:extLst>
+              <a:ext uri="{FF2B5EF4-FFF2-40B4-BE49-F238E27FC236}">
+                <a16:creationId xmlns:a16="http://schemas.microsoft.com/office/drawing/2014/main" id="{592A4A51-9B66-346E-C250-CFA70FEBD923}"/>
+              </a:ext>
+            </a:extLst>
+          </p:cNvPr>
+          <p:cNvSpPr>
+            <a:spLocks noGrp="1"/>
+          </p:cNvSpPr>
+          <p:nvPr>
+            <p:ph type="title"/>
+          </p:nvPr>
+        </p:nvSpPr>
+        <p:spPr>
+          <a:xfrm>
+            <a:off x="838200" y="365126"/>
+            <a:ext cx="5150224" cy="692710"/>
+          </a:xfrm>
+        </p:spPr>
+        <p:txBody>
+          <a:bodyPr>
+            <a:normAutofit fontScale="90000"/>
+          </a:bodyPr>
+          <a:lstStyle/>
+          <a:p>
+            <a:r>
+              <a:rPr lang="en-US" dirty="0"/>
+              <a:t>CNN model accuracy</a:t>
+            </a:r>
+          </a:p>
+        </p:txBody>
+      </p:sp>
+      <p:pic>
+        <p:nvPicPr>
+          <p:cNvPr id="5" name="Content Placeholder 4" descr="A graph of a graph&#10;&#10;Description automatically generated">
+            <a:extLst>
+              <a:ext uri="{FF2B5EF4-FFF2-40B4-BE49-F238E27FC236}">
+                <a16:creationId xmlns:a16="http://schemas.microsoft.com/office/drawing/2014/main" id="{D530CDA3-A870-9361-6E5E-A88FD230B974}"/>
+              </a:ext>
+            </a:extLst>
+          </p:cNvPr>
+          <p:cNvPicPr>
+            <a:picLocks noGrp="1" noChangeAspect="1"/>
+          </p:cNvPicPr>
+          <p:nvPr>
+            <p:ph idx="1"/>
+          </p:nvPr>
+        </p:nvPicPr>
+        <p:blipFill>
+          <a:blip r:embed="rId2"/>
+          <a:stretch>
+            <a:fillRect/>
+          </a:stretch>
+        </p:blipFill>
+        <p:spPr>
+          <a:xfrm>
+            <a:off x="6096000" y="794684"/>
+            <a:ext cx="5801784" cy="4351338"/>
+          </a:xfrm>
+        </p:spPr>
+      </p:pic>
+      <p:sp>
+        <p:nvSpPr>
+          <p:cNvPr id="3" name="TextBox 2">
+            <a:extLst>
+              <a:ext uri="{FF2B5EF4-FFF2-40B4-BE49-F238E27FC236}">
+                <a16:creationId xmlns:a16="http://schemas.microsoft.com/office/drawing/2014/main" id="{EAB623C1-3502-DAD4-3E89-EBFECA4EA1E9}"/>
+              </a:ext>
+            </a:extLst>
+          </p:cNvPr>
+          <p:cNvSpPr txBox="1"/>
+          <p:nvPr/>
+        </p:nvSpPr>
+        <p:spPr>
+          <a:xfrm>
+            <a:off x="510988" y="1452282"/>
+            <a:ext cx="5728447" cy="4247317"/>
+          </a:xfrm>
+          <a:prstGeom prst="rect">
+            <a:avLst/>
+          </a:prstGeom>
+          <a:noFill/>
+        </p:spPr>
+        <p:txBody>
+          <a:bodyPr wrap="square" rtlCol="0">
+            <a:spAutoFit/>
+          </a:bodyPr>
+          <a:lstStyle/>
+          <a:p>
+            <a:pPr marL="285750" indent="-285750">
+              <a:buFont typeface="Arial" panose="020B0604020202020204" pitchFamily="34" charset="0"/>
+              <a:buChar char="•"/>
+            </a:pPr>
+            <a:r>
+              <a:rPr lang="en-US" dirty="0"/>
+              <a:t>Compile the model with the desired loss function, optimizer, and metric to optimize</a:t>
+            </a:r>
+          </a:p>
+          <a:p>
+            <a:endParaRPr lang="en-US" dirty="0"/>
+          </a:p>
+          <a:p>
+            <a:pPr marL="285750" indent="-285750">
+              <a:buFont typeface="Arial" panose="020B0604020202020204" pitchFamily="34" charset="0"/>
+              <a:buChar char="•"/>
+            </a:pPr>
+            <a:r>
+              <a:rPr lang="en-US" dirty="0" err="1"/>
+              <a:t>CNN_model.compile</a:t>
+            </a:r>
+            <a:r>
+              <a:rPr lang="en-US" dirty="0"/>
+              <a:t>(loss = '</a:t>
+            </a:r>
+            <a:r>
+              <a:rPr lang="en-US" dirty="0" err="1"/>
+              <a:t>categorical_crossentropy</a:t>
+            </a:r>
+            <a:r>
+              <a:rPr lang="en-US" dirty="0"/>
+              <a:t>',</a:t>
+            </a:r>
+          </a:p>
+          <a:p>
+            <a:r>
+              <a:rPr lang="en-US" dirty="0"/>
+              <a:t>                  optimizer = 'Adam',</a:t>
+            </a:r>
+          </a:p>
+          <a:p>
+            <a:r>
+              <a:rPr lang="en-US" dirty="0"/>
+              <a:t>                  metrics = ['accuracy’])</a:t>
+            </a:r>
+          </a:p>
+          <a:p>
+            <a:pPr marL="285750" indent="-285750">
+              <a:buFont typeface="Arial" panose="020B0604020202020204" pitchFamily="34" charset="0"/>
+              <a:buChar char="•"/>
+            </a:pPr>
+            <a:endParaRPr lang="en-US" dirty="0"/>
+          </a:p>
+          <a:p>
+            <a:pPr marL="285750" indent="-285750">
+              <a:buFont typeface="Arial" panose="020B0604020202020204" pitchFamily="34" charset="0"/>
+              <a:buChar char="•"/>
+            </a:pPr>
+            <a:r>
+              <a:rPr lang="en-US" dirty="0"/>
+              <a:t>Pre-training accuracy: 66.6667%</a:t>
+            </a:r>
+          </a:p>
+          <a:p>
+            <a:pPr marL="285750" indent="-285750">
+              <a:buFont typeface="Arial" panose="020B0604020202020204" pitchFamily="34" charset="0"/>
+              <a:buChar char="•"/>
+            </a:pPr>
+            <a:endParaRPr lang="en-US" dirty="0"/>
+          </a:p>
+          <a:p>
+            <a:pPr marL="285750" indent="-285750">
+              <a:buFont typeface="Arial" panose="020B0604020202020204" pitchFamily="34" charset="0"/>
+              <a:buChar char="•"/>
+            </a:pPr>
+            <a:r>
+              <a:rPr lang="en-US" dirty="0"/>
+              <a:t>The model went through 25 epochs and maxes out at 10–12 epochs with a 67% accuracy</a:t>
+            </a:r>
+          </a:p>
+          <a:p>
+            <a:pPr marL="285750" indent="-285750">
+              <a:buFont typeface="Arial" panose="020B0604020202020204" pitchFamily="34" charset="0"/>
+              <a:buChar char="•"/>
+            </a:pPr>
+            <a:endParaRPr lang="en-US" dirty="0"/>
+          </a:p>
+          <a:p>
+            <a:pPr marL="285750" indent="-285750">
+              <a:buFont typeface="Arial" panose="020B0604020202020204" pitchFamily="34" charset="0"/>
+              <a:buChar char="•"/>
+            </a:pPr>
+            <a:r>
+              <a:rPr lang="en-US" dirty="0"/>
+              <a:t>Training Accuracy:  0.9982638955116272</a:t>
+            </a:r>
+          </a:p>
+          <a:p>
+            <a:pPr marL="285750" indent="-285750">
+              <a:buFont typeface="Arial" panose="020B0604020202020204" pitchFamily="34" charset="0"/>
+              <a:buChar char="•"/>
+            </a:pPr>
+            <a:r>
+              <a:rPr lang="en-US" dirty="0"/>
+              <a:t>Testing Accuracy:  0.6666666865348816</a:t>
+            </a:r>
+          </a:p>
+          <a:p>
+            <a:endParaRPr lang="en-US" dirty="0"/>
+          </a:p>
+        </p:txBody>
+      </p:sp>
+    </p:spTree>
+    <p:extLst>
+      <p:ext uri="{BB962C8B-B14F-4D97-AF65-F5344CB8AC3E}">
+        <p14:creationId xmlns:p14="http://schemas.microsoft.com/office/powerpoint/2010/main" val="2046115404"/>
+      </p:ext>
+    </p:extLst>
+  </p:cSld>
+  <p:clrMapOvr>
+    <a:masterClrMapping/>
+  </p:clrMapOvr>
+</p:sld>
+</file>
+
+<file path=ppt/slides/slide13.xml><?xml version="1.0" encoding="utf-8"?>
 <p:sld xmlns:a="http://schemas.openxmlformats.org/drawingml/2006/main" xmlns:r="http://schemas.openxmlformats.org/officeDocument/2006/relationships" xmlns:p="http://schemas.openxmlformats.org/presentationml/2006/main">
   <p:cSld>
     <p:spTree>
@@ -15402,10 +15820,15 @@
         </p:nvSpPr>
         <p:spPr/>
         <p:txBody>
-          <a:bodyPr/>
+          <a:bodyPr>
+            <a:normAutofit/>
+          </a:bodyPr>
           <a:lstStyle/>
           <a:p>
-            <a:endParaRPr lang="en-US"/>
+            <a:r>
+              <a:rPr lang="en-US" sz="2400" dirty="0"/>
+              <a:t>A confusion matrix in order to visualize what audio files are being misclassified</a:t>
+            </a:r>
           </a:p>
         </p:txBody>
       </p:sp>
@@ -15451,7 +15874,7 @@
 </p:sld>
 </file>
 
-<file path=ppt/slides/slide12.xml><?xml version="1.0" encoding="utf-8"?>
+<file path=ppt/slides/slide14.xml><?xml version="1.0" encoding="utf-8"?>
 <p:sld xmlns:a="http://schemas.openxmlformats.org/drawingml/2006/main" xmlns:r="http://schemas.openxmlformats.org/officeDocument/2006/relationships" xmlns:p="http://schemas.openxmlformats.org/presentationml/2006/main">
   <p:cSld>
     <p:bg>
@@ -15862,7 +16285,7 @@
 </p:sld>
 </file>
 
-<file path=ppt/slides/slide13.xml><?xml version="1.0" encoding="utf-8"?>
+<file path=ppt/slides/slide15.xml><?xml version="1.0" encoding="utf-8"?>
 <p:sld xmlns:a="http://schemas.openxmlformats.org/drawingml/2006/main" xmlns:r="http://schemas.openxmlformats.org/officeDocument/2006/relationships" xmlns:p="http://schemas.openxmlformats.org/presentationml/2006/main">
   <p:cSld>
     <p:bg>
@@ -16049,7 +16472,7 @@
 </p:sld>
 </file>
 
-<file path=ppt/slides/slide14.xml><?xml version="1.0" encoding="utf-8"?>
+<file path=ppt/slides/slide16.xml><?xml version="1.0" encoding="utf-8"?>
 <p:sld xmlns:a="http://schemas.openxmlformats.org/drawingml/2006/main" xmlns:r="http://schemas.openxmlformats.org/officeDocument/2006/relationships" xmlns:p="http://schemas.openxmlformats.org/presentationml/2006/main">
   <p:cSld>
     <p:bg>
@@ -21068,7 +21491,7 @@
           <p:cNvPr id="2" name="Title 1">
             <a:extLst>
               <a:ext uri="{FF2B5EF4-FFF2-40B4-BE49-F238E27FC236}">
-                <a16:creationId xmlns:a16="http://schemas.microsoft.com/office/drawing/2014/main" id="{9A7B9012-9BCE-E97F-7C2B-1D89EAD53AB5}"/>
+                <a16:creationId xmlns:a16="http://schemas.microsoft.com/office/drawing/2014/main" id="{B84A2995-4857-DA7A-535D-8919FCF4A54B}"/>
               </a:ext>
             </a:extLst>
           </p:cNvPr>
@@ -21079,80 +21502,29 @@
             <p:ph type="title"/>
           </p:nvPr>
         </p:nvSpPr>
-        <p:spPr/>
+        <p:spPr>
+          <a:xfrm>
+            <a:off x="838200" y="365126"/>
+            <a:ext cx="10515600" cy="710640"/>
+          </a:xfrm>
+        </p:spPr>
         <p:txBody>
           <a:bodyPr/>
           <a:lstStyle/>
           <a:p>
-            <a:endParaRPr lang="en-US" dirty="0"/>
+            <a:r>
+              <a:rPr lang="en-US" dirty="0"/>
+              <a:t>Process (page 1)</a:t>
+            </a:r>
           </a:p>
         </p:txBody>
       </p:sp>
-      <p:pic>
-        <p:nvPicPr>
-          <p:cNvPr id="5" name="Content Placeholder 4" descr="A close-up of a colorful image&#10;&#10;Description automatically generated">
+      <p:sp>
+        <p:nvSpPr>
+          <p:cNvPr id="3" name="Content Placeholder 2">
             <a:extLst>
               <a:ext uri="{FF2B5EF4-FFF2-40B4-BE49-F238E27FC236}">
-                <a16:creationId xmlns:a16="http://schemas.microsoft.com/office/drawing/2014/main" id="{2B4D03F8-1641-5112-2181-A0F50438BCD9}"/>
-              </a:ext>
-            </a:extLst>
-          </p:cNvPr>
-          <p:cNvPicPr>
-            <a:picLocks noGrp="1" noChangeAspect="1"/>
-          </p:cNvPicPr>
-          <p:nvPr>
-            <p:ph idx="1"/>
-          </p:nvPr>
-        </p:nvPicPr>
-        <p:blipFill>
-          <a:blip r:embed="rId2"/>
-          <a:stretch>
-            <a:fillRect/>
-          </a:stretch>
-        </p:blipFill>
-        <p:spPr>
-          <a:xfrm>
-            <a:off x="1524000" y="2172494"/>
-            <a:ext cx="9144000" cy="3657600"/>
-          </a:xfrm>
-        </p:spPr>
-      </p:pic>
-    </p:spTree>
-    <p:extLst>
-      <p:ext uri="{BB962C8B-B14F-4D97-AF65-F5344CB8AC3E}">
-        <p14:creationId xmlns:p14="http://schemas.microsoft.com/office/powerpoint/2010/main" val="2532368215"/>
-      </p:ext>
-    </p:extLst>
-  </p:cSld>
-  <p:clrMapOvr>
-    <a:masterClrMapping/>
-  </p:clrMapOvr>
-</p:sld>
-</file>
-
-<file path=ppt/slides/slide8.xml><?xml version="1.0" encoding="utf-8"?>
-<p:sld xmlns:a="http://schemas.openxmlformats.org/drawingml/2006/main" xmlns:r="http://schemas.openxmlformats.org/officeDocument/2006/relationships" xmlns:p="http://schemas.openxmlformats.org/presentationml/2006/main">
-  <p:cSld>
-    <p:spTree>
-      <p:nvGrpSpPr>
-        <p:cNvPr id="1" name=""/>
-        <p:cNvGrpSpPr/>
-        <p:nvPr/>
-      </p:nvGrpSpPr>
-      <p:grpSpPr>
-        <a:xfrm>
-          <a:off x="0" y="0"/>
-          <a:ext cx="0" cy="0"/>
-          <a:chOff x="0" y="0"/>
-          <a:chExt cx="0" cy="0"/>
-        </a:xfrm>
-      </p:grpSpPr>
-      <p:sp>
-        <p:nvSpPr>
-          <p:cNvPr id="2" name="Title 1">
-            <a:extLst>
-              <a:ext uri="{FF2B5EF4-FFF2-40B4-BE49-F238E27FC236}">
-                <a16:creationId xmlns:a16="http://schemas.microsoft.com/office/drawing/2014/main" id="{592A4A51-9B66-346E-C250-CFA70FEBD923}"/>
+                <a16:creationId xmlns:a16="http://schemas.microsoft.com/office/drawing/2014/main" id="{A1F65F96-E6D1-42CD-02D6-BA2780327185}"/>
               </a:ext>
             </a:extLst>
           </p:cNvPr>
@@ -21160,61 +21532,471 @@
             <a:spLocks noGrp="1"/>
           </p:cNvSpPr>
           <p:nvPr>
-            <p:ph type="title"/>
+            <p:ph idx="1"/>
           </p:nvPr>
         </p:nvSpPr>
-        <p:spPr/>
+        <p:spPr>
+          <a:xfrm>
+            <a:off x="6583680" y="1109864"/>
+            <a:ext cx="4617720" cy="447184"/>
+          </a:xfrm>
+        </p:spPr>
         <p:txBody>
-          <a:bodyPr/>
+          <a:bodyPr>
+            <a:normAutofit/>
+          </a:bodyPr>
           <a:lstStyle/>
           <a:p>
-            <a:endParaRPr lang="en-US"/>
+            <a:pPr marL="0" indent="0">
+              <a:buNone/>
+            </a:pPr>
+            <a:r>
+              <a:rPr lang="en-US" sz="1800" dirty="0"/>
+              <a:t>Build a spectrogram of the audio file</a:t>
+            </a:r>
           </a:p>
         </p:txBody>
       </p:sp>
       <p:pic>
         <p:nvPicPr>
-          <p:cNvPr id="5" name="Content Placeholder 4" descr="A graph of a graph&#10;&#10;Description automatically generated">
+          <p:cNvPr id="4" name="Content Placeholder 4" descr="A blue sound wave graph">
             <a:extLst>
               <a:ext uri="{FF2B5EF4-FFF2-40B4-BE49-F238E27FC236}">
-                <a16:creationId xmlns:a16="http://schemas.microsoft.com/office/drawing/2014/main" id="{D530CDA3-A870-9361-6E5E-A88FD230B974}"/>
+                <a16:creationId xmlns:a16="http://schemas.microsoft.com/office/drawing/2014/main" id="{F266361C-DF6D-1D82-24CC-0DBFD286A8CA}"/>
               </a:ext>
             </a:extLst>
           </p:cNvPr>
           <p:cNvPicPr>
-            <a:picLocks noGrp="1" noChangeAspect="1"/>
+            <a:picLocks noChangeAspect="1"/>
           </p:cNvPicPr>
-          <p:nvPr>
-            <p:ph idx="1"/>
-          </p:nvPr>
+          <p:nvPr/>
         </p:nvPicPr>
         <p:blipFill>
-          <a:blip r:embed="rId2"/>
+          <a:blip r:embed="rId4"/>
           <a:stretch>
             <a:fillRect/>
           </a:stretch>
         </p:blipFill>
         <p:spPr>
           <a:xfrm>
-            <a:off x="3195108" y="1825625"/>
+            <a:off x="5954352" y="2027408"/>
             <a:ext cx="5801784" cy="4351338"/>
           </a:xfrm>
+          <a:prstGeom prst="rect">
+            <a:avLst/>
+          </a:prstGeom>
+        </p:spPr>
+      </p:pic>
+      <p:sp>
+        <p:nvSpPr>
+          <p:cNvPr id="5" name="Content Placeholder 2">
+            <a:extLst>
+              <a:ext uri="{FF2B5EF4-FFF2-40B4-BE49-F238E27FC236}">
+                <a16:creationId xmlns:a16="http://schemas.microsoft.com/office/drawing/2014/main" id="{E08ABB5F-E7B0-C825-CC44-4E0C25C9BBE9}"/>
+              </a:ext>
+            </a:extLst>
+          </p:cNvPr>
+          <p:cNvSpPr txBox="1">
+            <a:spLocks/>
+          </p:cNvSpPr>
+          <p:nvPr/>
+        </p:nvSpPr>
+        <p:spPr>
+          <a:xfrm>
+            <a:off x="528411" y="1075766"/>
+            <a:ext cx="5072363" cy="1088158"/>
+          </a:xfrm>
+          <a:prstGeom prst="rect">
+            <a:avLst/>
+          </a:prstGeom>
+        </p:spPr>
+        <p:txBody>
+          <a:bodyPr vert="horz" lIns="91440" tIns="45720" rIns="91440" bIns="45720" rtlCol="0">
+            <a:normAutofit/>
+          </a:bodyPr>
+          <a:lstStyle>
+            <a:lvl1pPr marL="228600" indent="-228600" algn="l" defTabSz="914400" rtl="0" eaLnBrk="1" latinLnBrk="0" hangingPunct="1">
+              <a:lnSpc>
+                <a:spcPct val="90000"/>
+              </a:lnSpc>
+              <a:spcBef>
+                <a:spcPts val="1000"/>
+              </a:spcBef>
+              <a:buFont typeface="Arial" panose="020B0604020202020204" pitchFamily="34" charset="0"/>
+              <a:buChar char="•"/>
+              <a:defRPr sz="2800" kern="1200">
+                <a:solidFill>
+                  <a:schemeClr val="tx1"/>
+                </a:solidFill>
+                <a:latin typeface="+mn-lt"/>
+                <a:ea typeface="+mn-ea"/>
+                <a:cs typeface="+mn-cs"/>
+              </a:defRPr>
+            </a:lvl1pPr>
+            <a:lvl2pPr marL="685800" indent="-228600" algn="l" defTabSz="914400" rtl="0" eaLnBrk="1" latinLnBrk="0" hangingPunct="1">
+              <a:lnSpc>
+                <a:spcPct val="90000"/>
+              </a:lnSpc>
+              <a:spcBef>
+                <a:spcPts val="500"/>
+              </a:spcBef>
+              <a:buFont typeface="Arial" panose="020B0604020202020204" pitchFamily="34" charset="0"/>
+              <a:buChar char="•"/>
+              <a:defRPr sz="2400" kern="1200">
+                <a:solidFill>
+                  <a:schemeClr val="tx1"/>
+                </a:solidFill>
+                <a:latin typeface="+mn-lt"/>
+                <a:ea typeface="+mn-ea"/>
+                <a:cs typeface="+mn-cs"/>
+              </a:defRPr>
+            </a:lvl2pPr>
+            <a:lvl3pPr marL="1143000" indent="-228600" algn="l" defTabSz="914400" rtl="0" eaLnBrk="1" latinLnBrk="0" hangingPunct="1">
+              <a:lnSpc>
+                <a:spcPct val="90000"/>
+              </a:lnSpc>
+              <a:spcBef>
+                <a:spcPts val="500"/>
+              </a:spcBef>
+              <a:buFont typeface="Arial" panose="020B0604020202020204" pitchFamily="34" charset="0"/>
+              <a:buChar char="•"/>
+              <a:defRPr sz="2000" kern="1200">
+                <a:solidFill>
+                  <a:schemeClr val="tx1"/>
+                </a:solidFill>
+                <a:latin typeface="+mn-lt"/>
+                <a:ea typeface="+mn-ea"/>
+                <a:cs typeface="+mn-cs"/>
+              </a:defRPr>
+            </a:lvl3pPr>
+            <a:lvl4pPr marL="1600200" indent="-228600" algn="l" defTabSz="914400" rtl="0" eaLnBrk="1" latinLnBrk="0" hangingPunct="1">
+              <a:lnSpc>
+                <a:spcPct val="90000"/>
+              </a:lnSpc>
+              <a:spcBef>
+                <a:spcPts val="500"/>
+              </a:spcBef>
+              <a:buFont typeface="Arial" panose="020B0604020202020204" pitchFamily="34" charset="0"/>
+              <a:buChar char="•"/>
+              <a:defRPr sz="1800" kern="1200">
+                <a:solidFill>
+                  <a:schemeClr val="tx1"/>
+                </a:solidFill>
+                <a:latin typeface="+mn-lt"/>
+                <a:ea typeface="+mn-ea"/>
+                <a:cs typeface="+mn-cs"/>
+              </a:defRPr>
+            </a:lvl4pPr>
+            <a:lvl5pPr marL="2057400" indent="-228600" algn="l" defTabSz="914400" rtl="0" eaLnBrk="1" latinLnBrk="0" hangingPunct="1">
+              <a:lnSpc>
+                <a:spcPct val="90000"/>
+              </a:lnSpc>
+              <a:spcBef>
+                <a:spcPts val="500"/>
+              </a:spcBef>
+              <a:buFont typeface="Arial" panose="020B0604020202020204" pitchFamily="34" charset="0"/>
+              <a:buChar char="•"/>
+              <a:defRPr sz="1800" kern="1200">
+                <a:solidFill>
+                  <a:schemeClr val="tx1"/>
+                </a:solidFill>
+                <a:latin typeface="+mn-lt"/>
+                <a:ea typeface="+mn-ea"/>
+                <a:cs typeface="+mn-cs"/>
+              </a:defRPr>
+            </a:lvl5pPr>
+            <a:lvl6pPr marL="2514600" indent="-228600" algn="l" defTabSz="914400" rtl="0" eaLnBrk="1" latinLnBrk="0" hangingPunct="1">
+              <a:lnSpc>
+                <a:spcPct val="90000"/>
+              </a:lnSpc>
+              <a:spcBef>
+                <a:spcPts val="500"/>
+              </a:spcBef>
+              <a:buFont typeface="Arial" panose="020B0604020202020204" pitchFamily="34" charset="0"/>
+              <a:buChar char="•"/>
+              <a:defRPr sz="1800" kern="1200">
+                <a:solidFill>
+                  <a:schemeClr val="tx1"/>
+                </a:solidFill>
+                <a:latin typeface="+mn-lt"/>
+                <a:ea typeface="+mn-ea"/>
+                <a:cs typeface="+mn-cs"/>
+              </a:defRPr>
+            </a:lvl6pPr>
+            <a:lvl7pPr marL="2971800" indent="-228600" algn="l" defTabSz="914400" rtl="0" eaLnBrk="1" latinLnBrk="0" hangingPunct="1">
+              <a:lnSpc>
+                <a:spcPct val="90000"/>
+              </a:lnSpc>
+              <a:spcBef>
+                <a:spcPts val="500"/>
+              </a:spcBef>
+              <a:buFont typeface="Arial" panose="020B0604020202020204" pitchFamily="34" charset="0"/>
+              <a:buChar char="•"/>
+              <a:defRPr sz="1800" kern="1200">
+                <a:solidFill>
+                  <a:schemeClr val="tx1"/>
+                </a:solidFill>
+                <a:latin typeface="+mn-lt"/>
+                <a:ea typeface="+mn-ea"/>
+                <a:cs typeface="+mn-cs"/>
+              </a:defRPr>
+            </a:lvl7pPr>
+            <a:lvl8pPr marL="3429000" indent="-228600" algn="l" defTabSz="914400" rtl="0" eaLnBrk="1" latinLnBrk="0" hangingPunct="1">
+              <a:lnSpc>
+                <a:spcPct val="90000"/>
+              </a:lnSpc>
+              <a:spcBef>
+                <a:spcPts val="500"/>
+              </a:spcBef>
+              <a:buFont typeface="Arial" panose="020B0604020202020204" pitchFamily="34" charset="0"/>
+              <a:buChar char="•"/>
+              <a:defRPr sz="1800" kern="1200">
+                <a:solidFill>
+                  <a:schemeClr val="tx1"/>
+                </a:solidFill>
+                <a:latin typeface="+mn-lt"/>
+                <a:ea typeface="+mn-ea"/>
+                <a:cs typeface="+mn-cs"/>
+              </a:defRPr>
+            </a:lvl8pPr>
+            <a:lvl9pPr marL="3886200" indent="-228600" algn="l" defTabSz="914400" rtl="0" eaLnBrk="1" latinLnBrk="0" hangingPunct="1">
+              <a:lnSpc>
+                <a:spcPct val="90000"/>
+              </a:lnSpc>
+              <a:spcBef>
+                <a:spcPts val="500"/>
+              </a:spcBef>
+              <a:buFont typeface="Arial" panose="020B0604020202020204" pitchFamily="34" charset="0"/>
+              <a:buChar char="•"/>
+              <a:defRPr sz="1800" kern="1200">
+                <a:solidFill>
+                  <a:schemeClr val="tx1"/>
+                </a:solidFill>
+                <a:latin typeface="+mn-lt"/>
+                <a:ea typeface="+mn-ea"/>
+                <a:cs typeface="+mn-cs"/>
+              </a:defRPr>
+            </a:lvl9pPr>
+          </a:lstStyle>
+          <a:p>
+            <a:pPr marL="0" indent="0">
+              <a:buNone/>
+            </a:pPr>
+            <a:r>
+              <a:rPr lang="en-US" sz="1600" dirty="0"/>
+              <a:t>Turn sounds into bits and numbers:</a:t>
+            </a:r>
+            <a:br>
+              <a:rPr lang="en-US" sz="1600" dirty="0"/>
+            </a:br>
+            <a:r>
+              <a:rPr lang="en-US" sz="1600" dirty="0"/>
+              <a:t>The first step in working with audio files is how to turn an audio wave into numbers so that you can feed this into your machine learning algorithm.</a:t>
+            </a:r>
+          </a:p>
+        </p:txBody>
+      </p:sp>
+      <p:sp>
+        <p:nvSpPr>
+          <p:cNvPr id="7" name="TextBox 6">
+            <a:extLst>
+              <a:ext uri="{FF2B5EF4-FFF2-40B4-BE49-F238E27FC236}">
+                <a16:creationId xmlns:a16="http://schemas.microsoft.com/office/drawing/2014/main" id="{C080DF17-9AB9-DC02-522B-7A01C8384C6E}"/>
+              </a:ext>
+            </a:extLst>
+          </p:cNvPr>
+          <p:cNvSpPr txBox="1"/>
+          <p:nvPr/>
+        </p:nvSpPr>
+        <p:spPr>
+          <a:xfrm>
+            <a:off x="6703198" y="1623978"/>
+            <a:ext cx="2393576" cy="369332"/>
+          </a:xfrm>
+          <a:prstGeom prst="rect">
+            <a:avLst/>
+          </a:prstGeom>
+          <a:noFill/>
+        </p:spPr>
+        <p:txBody>
+          <a:bodyPr wrap="square" rtlCol="0">
+            <a:spAutoFit/>
+          </a:bodyPr>
+          <a:lstStyle/>
+          <a:p>
+            <a:r>
+              <a:rPr lang="en-US" dirty="0"/>
+              <a:t>Play audio file sample:</a:t>
+            </a:r>
+          </a:p>
+        </p:txBody>
+      </p:sp>
+      <p:pic>
+        <p:nvPicPr>
+          <p:cNvPr id="8" name="03-01-01-01-01-01-01">
+            <a:hlinkClick r:id="" action="ppaction://media"/>
+            <a:extLst>
+              <a:ext uri="{FF2B5EF4-FFF2-40B4-BE49-F238E27FC236}">
+                <a16:creationId xmlns:a16="http://schemas.microsoft.com/office/drawing/2014/main" id="{5A7ECC08-B510-E837-AE27-53F07BEF5681}"/>
+              </a:ext>
+            </a:extLst>
+          </p:cNvPr>
+          <p:cNvPicPr>
+            <a:picLocks noChangeAspect="1"/>
+          </p:cNvPicPr>
+          <p:nvPr>
+            <a:audioFile r:link="rId2"/>
+            <p:extLst>
+              <p:ext uri="{DAA4B4D4-6D71-4841-9C94-3DE7FCFB9230}">
+                <p14:media xmlns:p14="http://schemas.microsoft.com/office/powerpoint/2010/main" r:embed="rId1"/>
+              </p:ext>
+            </p:extLst>
+          </p:nvPr>
+        </p:nvPicPr>
+        <p:blipFill>
+          <a:blip r:embed="rId5"/>
+          <a:stretch>
+            <a:fillRect/>
+          </a:stretch>
+        </p:blipFill>
+        <p:spPr>
+          <a:xfrm>
+            <a:off x="9465568" y="1557048"/>
+            <a:ext cx="487362" cy="503191"/>
+          </a:xfrm>
+          <a:prstGeom prst="rect">
+            <a:avLst/>
+          </a:prstGeom>
+        </p:spPr>
+      </p:pic>
+      <p:pic>
+        <p:nvPicPr>
+          <p:cNvPr id="11" name="Picture 10">
+            <a:extLst>
+              <a:ext uri="{FF2B5EF4-FFF2-40B4-BE49-F238E27FC236}">
+                <a16:creationId xmlns:a16="http://schemas.microsoft.com/office/drawing/2014/main" id="{EF19A989-8231-6AA6-61E2-131E6B16BF49}"/>
+              </a:ext>
+            </a:extLst>
+          </p:cNvPr>
+          <p:cNvPicPr>
+            <a:picLocks noChangeAspect="1"/>
+          </p:cNvPicPr>
+          <p:nvPr/>
+        </p:nvPicPr>
+        <p:blipFill>
+          <a:blip r:embed="rId6"/>
+          <a:stretch>
+            <a:fillRect/>
+          </a:stretch>
+        </p:blipFill>
+        <p:spPr>
+          <a:xfrm>
+            <a:off x="528410" y="2163924"/>
+            <a:ext cx="5072363" cy="4078306"/>
+          </a:xfrm>
+          <a:prstGeom prst="rect">
+            <a:avLst/>
+          </a:prstGeom>
         </p:spPr>
       </p:pic>
     </p:spTree>
     <p:extLst>
       <p:ext uri="{BB962C8B-B14F-4D97-AF65-F5344CB8AC3E}">
-        <p14:creationId xmlns:p14="http://schemas.microsoft.com/office/powerpoint/2010/main" val="2046115404"/>
+        <p14:creationId xmlns:p14="http://schemas.microsoft.com/office/powerpoint/2010/main" val="3828956026"/>
       </p:ext>
     </p:extLst>
   </p:cSld>
   <p:clrMapOvr>
     <a:masterClrMapping/>
   </p:clrMapOvr>
+  <p:timing>
+    <p:tnLst>
+      <p:par>
+        <p:cTn id="1" dur="indefinite" restart="never" nodeType="tmRoot">
+          <p:childTnLst>
+            <p:seq concurrent="1" nextAc="seek">
+              <p:cTn id="2" dur="indefinite" nodeType="mainSeq">
+                <p:childTnLst>
+                  <p:par>
+                    <p:cTn id="3" fill="hold">
+                      <p:stCondLst>
+                        <p:cond delay="indefinite"/>
+                      </p:stCondLst>
+                      <p:childTnLst>
+                        <p:par>
+                          <p:cTn id="4" fill="hold">
+                            <p:stCondLst>
+                              <p:cond delay="0"/>
+                            </p:stCondLst>
+                            <p:childTnLst>
+                              <p:par>
+                                <p:cTn id="5" presetID="1" presetClass="mediacall" presetSubtype="0" fill="hold" nodeType="clickEffect">
+                                  <p:stCondLst>
+                                    <p:cond delay="0"/>
+                                  </p:stCondLst>
+                                  <p:childTnLst>
+                                    <p:cmd type="call" cmd="playFrom(0.0)">
+                                      <p:cBhvr>
+                                        <p:cTn id="6" dur="3303" fill="hold"/>
+                                        <p:tgtEl>
+                                          <p:spTgt spid="8"/>
+                                        </p:tgtEl>
+                                      </p:cBhvr>
+                                    </p:cmd>
+                                  </p:childTnLst>
+                                </p:cTn>
+                              </p:par>
+                            </p:childTnLst>
+                          </p:cTn>
+                        </p:par>
+                      </p:childTnLst>
+                    </p:cTn>
+                  </p:par>
+                </p:childTnLst>
+              </p:cTn>
+              <p:prevCondLst>
+                <p:cond evt="onPrev" delay="0">
+                  <p:tgtEl>
+                    <p:sldTgt/>
+                  </p:tgtEl>
+                </p:cond>
+              </p:prevCondLst>
+              <p:nextCondLst>
+                <p:cond evt="onNext" delay="0">
+                  <p:tgtEl>
+                    <p:sldTgt/>
+                  </p:tgtEl>
+                </p:cond>
+              </p:nextCondLst>
+            </p:seq>
+            <p:audio>
+              <p:cMediaNode vol="80000">
+                <p:cTn id="7" fill="hold" display="0">
+                  <p:stCondLst>
+                    <p:cond delay="indefinite"/>
+                  </p:stCondLst>
+                  <p:endCondLst>
+                    <p:cond evt="onStopAudio" delay="0">
+                      <p:tgtEl>
+                        <p:sldTgt/>
+                      </p:tgtEl>
+                    </p:cond>
+                  </p:endCondLst>
+                </p:cTn>
+                <p:tgtEl>
+                  <p:spTgt spid="8"/>
+                </p:tgtEl>
+              </p:cMediaNode>
+            </p:audio>
+          </p:childTnLst>
+        </p:cTn>
+      </p:par>
+    </p:tnLst>
+  </p:timing>
 </p:sld>
 </file>
 
-<file path=ppt/slides/slide9.xml><?xml version="1.0" encoding="utf-8"?>
+<file path=ppt/slides/slide8.xml><?xml version="1.0" encoding="utf-8"?>
 <p:sld xmlns:a="http://schemas.openxmlformats.org/drawingml/2006/main" xmlns:r="http://schemas.openxmlformats.org/officeDocument/2006/relationships" xmlns:p="http://schemas.openxmlformats.org/presentationml/2006/main">
   <p:cSld>
     <p:spTree>
@@ -21252,7 +22034,11 @@
           <a:bodyPr/>
           <a:lstStyle/>
           <a:p>
-            <a:endParaRPr lang="en-US"/>
+            <a:pPr algn="ctr"/>
+            <a:r>
+              <a:rPr lang="en-US" dirty="0"/>
+              <a:t>Histogram of emotions in samples</a:t>
+            </a:r>
           </a:p>
         </p:txBody>
       </p:sp>
@@ -21289,6 +22075,145 @@
     <p:extLst>
       <p:ext uri="{BB962C8B-B14F-4D97-AF65-F5344CB8AC3E}">
         <p14:creationId xmlns:p14="http://schemas.microsoft.com/office/powerpoint/2010/main" val="388736080"/>
+      </p:ext>
+    </p:extLst>
+  </p:cSld>
+  <p:clrMapOvr>
+    <a:masterClrMapping/>
+  </p:clrMapOvr>
+</p:sld>
+</file>
+
+<file path=ppt/slides/slide9.xml><?xml version="1.0" encoding="utf-8"?>
+<p:sld xmlns:a="http://schemas.openxmlformats.org/drawingml/2006/main" xmlns:r="http://schemas.openxmlformats.org/officeDocument/2006/relationships" xmlns:p="http://schemas.openxmlformats.org/presentationml/2006/main">
+  <p:cSld>
+    <p:spTree>
+      <p:nvGrpSpPr>
+        <p:cNvPr id="1" name=""/>
+        <p:cNvGrpSpPr/>
+        <p:nvPr/>
+      </p:nvGrpSpPr>
+      <p:grpSpPr>
+        <a:xfrm>
+          <a:off x="0" y="0"/>
+          <a:ext cx="0" cy="0"/>
+          <a:chOff x="0" y="0"/>
+          <a:chExt cx="0" cy="0"/>
+        </a:xfrm>
+      </p:grpSpPr>
+      <p:sp>
+        <p:nvSpPr>
+          <p:cNvPr id="2" name="Title 1">
+            <a:extLst>
+              <a:ext uri="{FF2B5EF4-FFF2-40B4-BE49-F238E27FC236}">
+                <a16:creationId xmlns:a16="http://schemas.microsoft.com/office/drawing/2014/main" id="{B84A2995-4857-DA7A-535D-8919FCF4A54B}"/>
+              </a:ext>
+            </a:extLst>
+          </p:cNvPr>
+          <p:cNvSpPr>
+            <a:spLocks noGrp="1"/>
+          </p:cNvSpPr>
+          <p:nvPr>
+            <p:ph type="title"/>
+          </p:nvPr>
+        </p:nvSpPr>
+        <p:spPr>
+          <a:xfrm>
+            <a:off x="838200" y="365126"/>
+            <a:ext cx="10515600" cy="710640"/>
+          </a:xfrm>
+        </p:spPr>
+        <p:txBody>
+          <a:bodyPr/>
+          <a:lstStyle/>
+          <a:p>
+            <a:r>
+              <a:rPr lang="en-US" dirty="0"/>
+              <a:t>Process (page 2)</a:t>
+            </a:r>
+          </a:p>
+        </p:txBody>
+      </p:sp>
+      <p:sp>
+        <p:nvSpPr>
+          <p:cNvPr id="3" name="Content Placeholder 2">
+            <a:extLst>
+              <a:ext uri="{FF2B5EF4-FFF2-40B4-BE49-F238E27FC236}">
+                <a16:creationId xmlns:a16="http://schemas.microsoft.com/office/drawing/2014/main" id="{A1F65F96-E6D1-42CD-02D6-BA2780327185}"/>
+              </a:ext>
+            </a:extLst>
+          </p:cNvPr>
+          <p:cNvSpPr>
+            <a:spLocks noGrp="1"/>
+          </p:cNvSpPr>
+          <p:nvPr>
+            <p:ph idx="1"/>
+          </p:nvPr>
+        </p:nvSpPr>
+        <p:spPr>
+          <a:xfrm>
+            <a:off x="838200" y="1255059"/>
+            <a:ext cx="10515600" cy="4921904"/>
+          </a:xfrm>
+        </p:spPr>
+        <p:txBody>
+          <a:bodyPr>
+            <a:normAutofit/>
+          </a:bodyPr>
+          <a:lstStyle/>
+          <a:p>
+            <a:r>
+              <a:rPr lang="en-US" dirty="0"/>
+              <a:t>Divide and train test data</a:t>
+            </a:r>
+          </a:p>
+          <a:p>
+            <a:pPr lvl="1"/>
+            <a:r>
+              <a:rPr lang="en-US" dirty="0"/>
+              <a:t>Divided the data into test and train with a 20% split in order to start preparing </a:t>
+            </a:r>
+            <a:r>
+              <a:rPr lang="en-US" dirty="0" err="1"/>
+              <a:t>dataframe</a:t>
+            </a:r>
+            <a:r>
+              <a:rPr lang="en-US" dirty="0"/>
+              <a:t> for our model.</a:t>
+            </a:r>
+          </a:p>
+          <a:p>
+            <a:r>
+              <a:rPr lang="en-US" dirty="0"/>
+              <a:t>Label encoding</a:t>
+            </a:r>
+          </a:p>
+          <a:p>
+            <a:pPr lvl="1"/>
+            <a:r>
+              <a:rPr lang="en-US" dirty="0"/>
+              <a:t>Encode emotion labels into numbers: Since you are using strings for your emotions, it is important that you use label encoding to transform these emotions into numbers; otherwise, your model just won’t run!</a:t>
+            </a:r>
+          </a:p>
+          <a:p>
+            <a:r>
+              <a:rPr lang="en-US" dirty="0"/>
+              <a:t>Scaling data</a:t>
+            </a:r>
+          </a:p>
+          <a:p>
+            <a:pPr lvl="1"/>
+            <a:r>
+              <a:rPr lang="en-US" dirty="0"/>
+              <a:t>This step is very important as it will prevent your model to fit the volume level of your audio recordings.</a:t>
+            </a:r>
+          </a:p>
+        </p:txBody>
+      </p:sp>
+    </p:spTree>
+    <p:extLst>
+      <p:ext uri="{BB962C8B-B14F-4D97-AF65-F5344CB8AC3E}">
+        <p14:creationId xmlns:p14="http://schemas.microsoft.com/office/powerpoint/2010/main" val="1573060631"/>
       </p:ext>
     </p:extLst>
   </p:cSld>
